--- a/14_extratask/03_Clinic/レッスン14_課題③.pptx
+++ b/14_extratask/03_Clinic/レッスン14_課題③.pptx
@@ -5711,7 +5711,7 @@
         </p:nvSpPr>
         <p:spPr>
           <a:xfrm>
-            <a:off x="9676157" y="1482298"/>
+            <a:off x="10531856" y="2203555"/>
             <a:ext cx="1086853" cy="561474"/>
           </a:xfrm>
           <a:prstGeom prst="roundRect">
@@ -5807,7 +5807,7 @@
         </p:nvSpPr>
         <p:spPr>
           <a:xfrm>
-            <a:off x="9943690" y="2515098"/>
+            <a:off x="9984294" y="3051450"/>
             <a:ext cx="1800726" cy="914400"/>
           </a:xfrm>
           <a:prstGeom prst="diamond">
@@ -6458,9 +6458,9 @@
           <p:nvPr/>
         </p:nvCxnSpPr>
         <p:spPr>
-          <a:xfrm flipV="1">
-            <a:off x="9176983" y="1763035"/>
-            <a:ext cx="499174" cy="272"/>
+          <a:xfrm>
+            <a:off x="9176983" y="1763307"/>
+            <a:ext cx="1354873" cy="720985"/>
           </a:xfrm>
           <a:prstGeom prst="straightConnector1">
             <a:avLst/>
@@ -6533,7 +6533,7 @@
         </p:nvSpPr>
         <p:spPr>
           <a:xfrm>
-            <a:off x="9176984" y="202364"/>
+            <a:off x="9172809" y="124658"/>
             <a:ext cx="2001016" cy="904966"/>
           </a:xfrm>
           <a:prstGeom prst="roundRect">
@@ -6606,8 +6606,8 @@
         </p:nvCxnSpPr>
         <p:spPr>
           <a:xfrm rot="5400000">
-            <a:off x="8649211" y="900867"/>
-            <a:ext cx="427468" cy="2713279"/>
+            <a:off x="9108254" y="1150736"/>
+            <a:ext cx="352736" cy="3581322"/>
           </a:xfrm>
           <a:prstGeom prst="curvedConnector3">
             <a:avLst>
@@ -6647,7 +6647,7 @@
         </p:nvSpPr>
         <p:spPr>
           <a:xfrm>
-            <a:off x="6504793" y="2471240"/>
+            <a:off x="6492449" y="3117765"/>
             <a:ext cx="2003024" cy="1037410"/>
           </a:xfrm>
           <a:prstGeom prst="roundRect">
@@ -6742,8 +6742,8 @@
         </p:nvCxnSpPr>
         <p:spPr>
           <a:xfrm rot="5400000">
-            <a:off x="6129747" y="2465330"/>
-            <a:ext cx="333238" cy="2419879"/>
+            <a:off x="6165862" y="3107606"/>
+            <a:ext cx="280531" cy="2375668"/>
           </a:xfrm>
           <a:prstGeom prst="curvedConnector3">
             <a:avLst>
@@ -6921,12 +6921,12 @@
         </p:nvCxnSpPr>
         <p:spPr>
           <a:xfrm flipH="1" flipV="1">
-            <a:off x="11178000" y="654847"/>
-            <a:ext cx="566416" cy="2317451"/>
+            <a:off x="11173825" y="577141"/>
+            <a:ext cx="611195" cy="2931509"/>
           </a:xfrm>
           <a:prstGeom prst="bentConnector3">
             <a:avLst>
-              <a:gd name="adj1" fmla="val -40359"/>
+              <a:gd name="adj1" fmla="val -37402"/>
             </a:avLst>
           </a:prstGeom>
           <a:ln>
@@ -6966,12 +6966,12 @@
         </p:nvCxnSpPr>
         <p:spPr>
           <a:xfrm flipH="1">
-            <a:off x="11177409" y="2972298"/>
-            <a:ext cx="567007" cy="3024679"/>
+            <a:off x="11177409" y="3508650"/>
+            <a:ext cx="607611" cy="2488327"/>
           </a:xfrm>
           <a:prstGeom prst="bentConnector3">
             <a:avLst>
-              <a:gd name="adj1" fmla="val -40317"/>
+              <a:gd name="adj1" fmla="val -37623"/>
             </a:avLst>
           </a:prstGeom>
           <a:ln>
@@ -7011,8 +7011,8 @@
         </p:nvCxnSpPr>
         <p:spPr>
           <a:xfrm rot="10800000" flipV="1">
-            <a:off x="8633558" y="654846"/>
-            <a:ext cx="543427" cy="827723"/>
+            <a:off x="8633557" y="577140"/>
+            <a:ext cx="539252" cy="905429"/>
           </a:xfrm>
           <a:prstGeom prst="bentConnector2">
             <a:avLst/>
@@ -7050,7 +7050,7 @@
         </p:nvSpPr>
         <p:spPr>
           <a:xfrm>
-            <a:off x="4335505" y="3841888"/>
+            <a:off x="4367372" y="4435706"/>
             <a:ext cx="1501841" cy="749391"/>
           </a:xfrm>
           <a:prstGeom prst="roundRect">
@@ -7106,7 +7106,7 @@
         </p:nvSpPr>
         <p:spPr>
           <a:xfrm>
-            <a:off x="6472236" y="3835137"/>
+            <a:off x="6504103" y="4428955"/>
             <a:ext cx="1501841" cy="749391"/>
           </a:xfrm>
           <a:prstGeom prst="roundRect">
@@ -7154,7 +7154,7 @@
         </p:nvSpPr>
         <p:spPr>
           <a:xfrm>
-            <a:off x="8507084" y="3697878"/>
+            <a:off x="8538951" y="4291696"/>
             <a:ext cx="2336969" cy="1037410"/>
           </a:xfrm>
           <a:prstGeom prst="roundRect">
@@ -7206,7 +7206,7 @@
         </p:nvCxnSpPr>
         <p:spPr>
           <a:xfrm flipV="1">
-            <a:off x="5837346" y="4209833"/>
+            <a:off x="5869213" y="4803651"/>
             <a:ext cx="634890" cy="6751"/>
           </a:xfrm>
           <a:prstGeom prst="straightConnector1">
@@ -7249,7 +7249,7 @@
         </p:nvCxnSpPr>
         <p:spPr>
           <a:xfrm>
-            <a:off x="7974077" y="4209833"/>
+            <a:off x="8005944" y="4803651"/>
             <a:ext cx="533007" cy="6750"/>
           </a:xfrm>
           <a:prstGeom prst="straightConnector1">
@@ -7292,10 +7292,144 @@
         </p:nvCxnSpPr>
         <p:spPr>
           <a:xfrm rot="5400000" flipH="1" flipV="1">
-            <a:off x="9446839" y="3201028"/>
-            <a:ext cx="725580" cy="268121"/>
+            <a:off x="9454342" y="3761744"/>
+            <a:ext cx="783046" cy="276858"/>
           </a:xfrm>
           <a:prstGeom prst="curvedConnector2">
+            <a:avLst/>
+          </a:prstGeom>
+          <a:ln>
+            <a:tailEnd type="triangle"/>
+          </a:ln>
+        </p:spPr>
+        <p:style>
+          <a:lnRef idx="2">
+            <a:schemeClr val="accent1"/>
+          </a:lnRef>
+          <a:fillRef idx="0">
+            <a:schemeClr val="accent1"/>
+          </a:fillRef>
+          <a:effectRef idx="1">
+            <a:schemeClr val="accent1"/>
+          </a:effectRef>
+          <a:fontRef idx="minor">
+            <a:schemeClr val="tx1"/>
+          </a:fontRef>
+        </p:style>
+      </p:cxnSp>
+      <p:sp>
+        <p:nvSpPr>
+          <p:cNvPr id="26" name="四角形: 角を丸くする 25">
+            <a:extLst>
+              <a:ext uri="{FF2B5EF4-FFF2-40B4-BE49-F238E27FC236}">
+                <a16:creationId xmlns:a16="http://schemas.microsoft.com/office/drawing/2014/main" id="{F75F45BD-32F0-EA21-845E-AE5BC4E24E3A}"/>
+              </a:ext>
+            </a:extLst>
+          </p:cNvPr>
+          <p:cNvSpPr/>
+          <p:nvPr/>
+        </p:nvSpPr>
+        <p:spPr>
+          <a:xfrm>
+            <a:off x="9671984" y="1232743"/>
+            <a:ext cx="1501841" cy="749391"/>
+          </a:xfrm>
+          <a:prstGeom prst="roundRect">
+            <a:avLst/>
+          </a:prstGeom>
+        </p:spPr>
+        <p:style>
+          <a:lnRef idx="2">
+            <a:schemeClr val="accent4"/>
+          </a:lnRef>
+          <a:fillRef idx="1">
+            <a:schemeClr val="lt1"/>
+          </a:fillRef>
+          <a:effectRef idx="0">
+            <a:schemeClr val="accent4"/>
+          </a:effectRef>
+          <a:fontRef idx="minor">
+            <a:schemeClr val="dk1"/>
+          </a:fontRef>
+        </p:style>
+        <p:txBody>
+          <a:bodyPr rtlCol="0" anchor="ctr"/>
+          <a:lstStyle/>
+          <a:p>
+            <a:pPr algn="ctr"/>
+            <a:r>
+              <a:rPr lang="ja-JP" altLang="en-US" dirty="0"/>
+              <a:t>既存予約の確認</a:t>
+            </a:r>
+            <a:endParaRPr lang="en-US" altLang="ja-JP" dirty="0"/>
+          </a:p>
+        </p:txBody>
+      </p:sp>
+      <p:cxnSp>
+        <p:nvCxnSpPr>
+          <p:cNvPr id="31" name="直線矢印コネクタ 30">
+            <a:extLst>
+              <a:ext uri="{FF2B5EF4-FFF2-40B4-BE49-F238E27FC236}">
+                <a16:creationId xmlns:a16="http://schemas.microsoft.com/office/drawing/2014/main" id="{B7E15274-4769-C766-D578-5513EF505B6F}"/>
+              </a:ext>
+            </a:extLst>
+          </p:cNvPr>
+          <p:cNvCxnSpPr>
+            <a:cxnSpLocks/>
+            <a:stCxn id="12" idx="3"/>
+            <a:endCxn id="26" idx="1"/>
+          </p:cNvCxnSpPr>
+          <p:nvPr/>
+        </p:nvCxnSpPr>
+        <p:spPr>
+          <a:xfrm flipV="1">
+            <a:off x="9176983" y="1607439"/>
+            <a:ext cx="495001" cy="155868"/>
+          </a:xfrm>
+          <a:prstGeom prst="straightConnector1">
+            <a:avLst/>
+          </a:prstGeom>
+          <a:ln>
+            <a:tailEnd type="triangle"/>
+          </a:ln>
+        </p:spPr>
+        <p:style>
+          <a:lnRef idx="2">
+            <a:schemeClr val="accent1"/>
+          </a:lnRef>
+          <a:fillRef idx="0">
+            <a:schemeClr val="accent1"/>
+          </a:fillRef>
+          <a:effectRef idx="1">
+            <a:schemeClr val="accent1"/>
+          </a:effectRef>
+          <a:fontRef idx="minor">
+            <a:schemeClr val="tx1"/>
+          </a:fontRef>
+        </p:style>
+      </p:cxnSp>
+      <p:cxnSp>
+        <p:nvCxnSpPr>
+          <p:cNvPr id="34" name="直線矢印コネクタ 33">
+            <a:extLst>
+              <a:ext uri="{FF2B5EF4-FFF2-40B4-BE49-F238E27FC236}">
+                <a16:creationId xmlns:a16="http://schemas.microsoft.com/office/drawing/2014/main" id="{25183009-0E06-5F61-DE86-14FBC8B4A910}"/>
+              </a:ext>
+            </a:extLst>
+          </p:cNvPr>
+          <p:cNvCxnSpPr>
+            <a:cxnSpLocks/>
+            <a:stCxn id="26" idx="0"/>
+            <a:endCxn id="82" idx="2"/>
+          </p:cNvCxnSpPr>
+          <p:nvPr/>
+        </p:nvCxnSpPr>
+        <p:spPr>
+          <a:xfrm flipH="1" flipV="1">
+            <a:off x="10173317" y="1029624"/>
+            <a:ext cx="249588" cy="203119"/>
+          </a:xfrm>
+          <a:prstGeom prst="straightConnector1">
             <a:avLst/>
           </a:prstGeom>
           <a:ln>
